--- a/冥钞/Z60-纪念钞.pptx
+++ b/冥钞/Z60-纪念钞.pptx
@@ -12,11 +12,13 @@
     <p:sldId id="260" r:id="rId7"/>
     <p:sldId id="261" r:id="rId8"/>
     <p:sldId id="262" r:id="rId9"/>
+    <p:sldId id="263" r:id="rId10"/>
+    <p:sldId id="264" r:id="rId11"/>
   </p:sldIdLst>
   <p:sldSz cx="5616575" cy="2735580"/>
   <p:notesSz cx="6858000" cy="9144000"/>
   <p:custDataLst>
-    <p:tags r:id="rId13"/>
+    <p:tags r:id="rId15"/>
   </p:custDataLst>
   <p:defaultTextStyle>
     <a:defPPr>
@@ -206,12 +208,12 @@
   <p:extLst>
     <p:ext uri="{EFAFB233-063F-42B5-8137-9DF3F51BA10A}">
       <p15:sldGuideLst xmlns:p15="http://schemas.microsoft.com/office/powerpoint/2012/main">
-        <p15:guide id="1" orient="horz" pos="849" userDrawn="1">
+        <p15:guide id="1" orient="horz" pos="887" userDrawn="1">
           <p15:clr>
             <a:srgbClr val="A4A3A4"/>
           </p15:clr>
         </p15:guide>
-        <p15:guide id="2" pos="1764" userDrawn="1">
+        <p15:guide id="2" pos="1768" userDrawn="1">
           <p15:clr>
             <a:srgbClr val="A4A3A4"/>
           </p15:clr>
@@ -6840,6 +6842,663 @@
 </p:sld>
 </file>
 
+<file path=ppt/slides/slide8.xml><?xml version="1.0" encoding="utf-8"?>
+<p:sld xmlns:a="http://schemas.openxmlformats.org/drawingml/2006/main" xmlns:r="http://schemas.openxmlformats.org/officeDocument/2006/relationships" xmlns:p="http://schemas.openxmlformats.org/presentationml/2006/main">
+  <p:cSld>
+    <p:bg>
+      <p:bgPr>
+        <a:solidFill>
+          <a:srgbClr val="035C5A"/>
+        </a:solidFill>
+        <a:effectLst/>
+      </p:bgPr>
+    </p:bg>
+    <p:spTree>
+      <p:nvGrpSpPr>
+        <p:cNvPr id="1" name=""/>
+        <p:cNvGrpSpPr/>
+        <p:nvPr/>
+      </p:nvGrpSpPr>
+      <p:grpSpPr/>
+      <p:sp>
+        <p:nvSpPr>
+          <p:cNvPr id="6" name="文本框 5"/>
+          <p:cNvSpPr txBox="1"/>
+          <p:nvPr/>
+        </p:nvSpPr>
+        <p:spPr>
+          <a:xfrm>
+            <a:off x="1316990" y="71120"/>
+            <a:ext cx="3085465" cy="1861185"/>
+          </a:xfrm>
+          <a:prstGeom prst="rect">
+            <a:avLst/>
+          </a:prstGeom>
+          <a:noFill/>
+        </p:spPr>
+        <p:txBody>
+          <a:bodyPr wrap="square" rtlCol="0">
+            <a:spAutoFit/>
+          </a:bodyPr>
+          <a:p>
+            <a:pPr algn="dist"/>
+            <a:r>
+              <a:rPr lang="en-US" altLang="zh-CN" sz="11500" b="1">
+                <a:solidFill>
+                  <a:srgbClr val="CFDDCA"/>
+                </a:solidFill>
+              </a:rPr>
+              <a:t>600</a:t>
+            </a:r>
+            <a:endParaRPr lang="en-US" altLang="zh-CN" sz="11500" b="1">
+              <a:solidFill>
+                <a:srgbClr val="CFDDCA"/>
+              </a:solidFill>
+            </a:endParaRPr>
+          </a:p>
+        </p:txBody>
+      </p:sp>
+      <p:sp>
+        <p:nvSpPr>
+          <p:cNvPr id="7" name="文本框 6"/>
+          <p:cNvSpPr txBox="1"/>
+          <p:nvPr/>
+        </p:nvSpPr>
+        <p:spPr>
+          <a:xfrm>
+            <a:off x="1440180" y="1714500"/>
+            <a:ext cx="2802890" cy="768350"/>
+          </a:xfrm>
+          <a:prstGeom prst="rect">
+            <a:avLst/>
+          </a:prstGeom>
+          <a:noFill/>
+        </p:spPr>
+        <p:txBody>
+          <a:bodyPr wrap="square" rtlCol="0">
+            <a:spAutoFit/>
+          </a:bodyPr>
+          <a:p>
+            <a:pPr algn="dist"/>
+            <a:r>
+              <a:rPr lang="zh-CN" altLang="en-US" sz="4400">
+                <a:solidFill>
+                  <a:srgbClr val="CFDDCA"/>
+                </a:solidFill>
+                <a:latin typeface="华光大黑_CNKI" panose="02000500000000000000" charset="-122"/>
+                <a:ea typeface="华光大黑_CNKI" panose="02000500000000000000" charset="-122"/>
+              </a:rPr>
+              <a:t>参宿四星</a:t>
+            </a:r>
+            <a:endParaRPr lang="zh-CN" altLang="en-US" sz="4400">
+              <a:solidFill>
+                <a:srgbClr val="CFDDCA"/>
+              </a:solidFill>
+              <a:latin typeface="华光大黑_CNKI" panose="02000500000000000000" charset="-122"/>
+              <a:ea typeface="华光大黑_CNKI" panose="02000500000000000000" charset="-122"/>
+            </a:endParaRPr>
+          </a:p>
+        </p:txBody>
+      </p:sp>
+    </p:spTree>
+  </p:cSld>
+  <p:clrMapOvr>
+    <a:masterClrMapping/>
+  </p:clrMapOvr>
+</p:sld>
+</file>
+
+<file path=ppt/slides/slide9.xml><?xml version="1.0" encoding="utf-8"?>
+<p:sld xmlns:a="http://schemas.openxmlformats.org/drawingml/2006/main" xmlns:r="http://schemas.openxmlformats.org/officeDocument/2006/relationships" xmlns:p="http://schemas.openxmlformats.org/presentationml/2006/main">
+  <p:cSld>
+    <p:spTree>
+      <p:nvGrpSpPr>
+        <p:cNvPr id="1" name=""/>
+        <p:cNvGrpSpPr/>
+        <p:nvPr/>
+      </p:nvGrpSpPr>
+      <p:grpSpPr/>
+      <p:sp>
+        <p:nvSpPr>
+          <p:cNvPr id="13" name="矩形 12"/>
+          <p:cNvSpPr/>
+          <p:nvPr/>
+        </p:nvSpPr>
+        <p:spPr>
+          <a:xfrm>
+            <a:off x="1440180" y="843915"/>
+            <a:ext cx="4176395" cy="288290"/>
+          </a:xfrm>
+          <a:prstGeom prst="rect">
+            <a:avLst/>
+          </a:prstGeom>
+          <a:solidFill>
+            <a:srgbClr val="DDDD1C"/>
+          </a:solidFill>
+          <a:ln>
+            <a:solidFill>
+              <a:srgbClr val="DCDB1F"/>
+            </a:solidFill>
+          </a:ln>
+        </p:spPr>
+        <p:style>
+          <a:lnRef idx="2">
+            <a:schemeClr val="accent1">
+              <a:lumMod val="75000"/>
+            </a:schemeClr>
+          </a:lnRef>
+          <a:fillRef idx="1">
+            <a:schemeClr val="accent1"/>
+          </a:fillRef>
+          <a:effectRef idx="0">
+            <a:srgbClr val="FFFFFF"/>
+          </a:effectRef>
+          <a:fontRef idx="minor">
+            <a:schemeClr val="lt1"/>
+          </a:fontRef>
+        </p:style>
+        <p:txBody>
+          <a:bodyPr rtlCol="0" anchor="ctr"/>
+          <a:p>
+            <a:pPr algn="ctr"/>
+            <a:endParaRPr lang="zh-CN" altLang="en-US"/>
+          </a:p>
+        </p:txBody>
+      </p:sp>
+      <p:sp>
+        <p:nvSpPr>
+          <p:cNvPr id="5" name="文本框 4"/>
+          <p:cNvSpPr txBox="1"/>
+          <p:nvPr/>
+        </p:nvSpPr>
+        <p:spPr>
+          <a:xfrm>
+            <a:off x="1605915" y="143510"/>
+            <a:ext cx="2404745" cy="460375"/>
+          </a:xfrm>
+          <a:prstGeom prst="rect">
+            <a:avLst/>
+          </a:prstGeom>
+          <a:noFill/>
+        </p:spPr>
+        <p:txBody>
+          <a:bodyPr wrap="square" rtlCol="0">
+            <a:spAutoFit/>
+          </a:bodyPr>
+          <a:p>
+            <a:r>
+              <a:rPr lang="zh-CN" altLang="en-US" sz="2400" b="1"/>
+              <a:t>来自地球的思念</a:t>
+            </a:r>
+            <a:endParaRPr lang="zh-CN" altLang="en-US" sz="2400" b="1"/>
+          </a:p>
+        </p:txBody>
+      </p:sp>
+      <p:cxnSp>
+        <p:nvCxnSpPr>
+          <p:cNvPr id="7" name="直接连接符 6"/>
+          <p:cNvCxnSpPr/>
+          <p:nvPr/>
+        </p:nvCxnSpPr>
+        <p:spPr>
+          <a:xfrm flipV="1">
+            <a:off x="1656080" y="575310"/>
+            <a:ext cx="2221230" cy="3810"/>
+          </a:xfrm>
+          <a:prstGeom prst="line">
+            <a:avLst/>
+          </a:prstGeom>
+          <a:ln>
+            <a:solidFill>
+              <a:srgbClr val="D9D9D7"/>
+            </a:solidFill>
+            <a:prstDash val="sysDash"/>
+          </a:ln>
+        </p:spPr>
+        <p:style>
+          <a:lnRef idx="2">
+            <a:schemeClr val="accent1"/>
+          </a:lnRef>
+          <a:fillRef idx="0">
+            <a:srgbClr val="FFFFFF"/>
+          </a:fillRef>
+          <a:effectRef idx="0">
+            <a:srgbClr val="FFFFFF"/>
+          </a:effectRef>
+          <a:fontRef idx="minor">
+            <a:schemeClr val="tx1"/>
+          </a:fontRef>
+        </p:style>
+      </p:cxnSp>
+      <p:sp>
+        <p:nvSpPr>
+          <p:cNvPr id="8" name="文本框 7"/>
+          <p:cNvSpPr txBox="1"/>
+          <p:nvPr/>
+        </p:nvSpPr>
+        <p:spPr>
+          <a:xfrm>
+            <a:off x="2014855" y="579120"/>
+            <a:ext cx="1586865" cy="245110"/>
+          </a:xfrm>
+          <a:prstGeom prst="rect">
+            <a:avLst/>
+          </a:prstGeom>
+          <a:noFill/>
+        </p:spPr>
+        <p:txBody>
+          <a:bodyPr wrap="square" rtlCol="0">
+            <a:spAutoFit/>
+          </a:bodyPr>
+          <a:p>
+            <a:r>
+              <a:rPr lang="en-US" altLang="zh-CN" sz="1000"/>
+              <a:t>Yearning From the Earth</a:t>
+            </a:r>
+            <a:endParaRPr lang="en-US" altLang="zh-CN" sz="1000"/>
+          </a:p>
+        </p:txBody>
+      </p:sp>
+      <p:sp>
+        <p:nvSpPr>
+          <p:cNvPr id="11" name="矩形 10"/>
+          <p:cNvSpPr/>
+          <p:nvPr/>
+        </p:nvSpPr>
+        <p:spPr>
+          <a:xfrm>
+            <a:off x="0" y="843915"/>
+            <a:ext cx="1440180" cy="288290"/>
+          </a:xfrm>
+          <a:prstGeom prst="rect">
+            <a:avLst/>
+          </a:prstGeom>
+          <a:solidFill>
+            <a:srgbClr val="573469"/>
+          </a:solidFill>
+          <a:ln>
+            <a:solidFill>
+              <a:srgbClr val="573469"/>
+            </a:solidFill>
+          </a:ln>
+        </p:spPr>
+        <p:style>
+          <a:lnRef idx="2">
+            <a:schemeClr val="accent1">
+              <a:lumMod val="75000"/>
+            </a:schemeClr>
+          </a:lnRef>
+          <a:fillRef idx="1">
+            <a:schemeClr val="accent1"/>
+          </a:fillRef>
+          <a:effectRef idx="0">
+            <a:srgbClr val="FFFFFF"/>
+          </a:effectRef>
+          <a:fontRef idx="minor">
+            <a:schemeClr val="lt1"/>
+          </a:fontRef>
+        </p:style>
+        <p:txBody>
+          <a:bodyPr rtlCol="0" anchor="ctr"/>
+          <a:p>
+            <a:pPr algn="ctr"/>
+            <a:endParaRPr lang="zh-CN" altLang="en-US"/>
+          </a:p>
+        </p:txBody>
+      </p:sp>
+      <p:sp>
+        <p:nvSpPr>
+          <p:cNvPr id="12" name="直角三角形 11"/>
+          <p:cNvSpPr/>
+          <p:nvPr/>
+        </p:nvSpPr>
+        <p:spPr>
+          <a:xfrm>
+            <a:off x="1429385" y="843915"/>
+            <a:ext cx="442595" cy="288290"/>
+          </a:xfrm>
+          <a:prstGeom prst="rtTriangle">
+            <a:avLst/>
+          </a:prstGeom>
+          <a:solidFill>
+            <a:srgbClr val="573469"/>
+          </a:solidFill>
+          <a:ln>
+            <a:solidFill>
+              <a:srgbClr val="573469"/>
+            </a:solidFill>
+          </a:ln>
+        </p:spPr>
+        <p:style>
+          <a:lnRef idx="2">
+            <a:schemeClr val="accent1">
+              <a:lumMod val="75000"/>
+            </a:schemeClr>
+          </a:lnRef>
+          <a:fillRef idx="1">
+            <a:schemeClr val="accent1"/>
+          </a:fillRef>
+          <a:effectRef idx="0">
+            <a:srgbClr val="FFFFFF"/>
+          </a:effectRef>
+          <a:fontRef idx="minor">
+            <a:schemeClr val="lt1"/>
+          </a:fontRef>
+        </p:style>
+        <p:txBody>
+          <a:bodyPr rtlCol="0" anchor="ctr"/>
+          <a:p>
+            <a:pPr algn="ctr"/>
+            <a:endParaRPr lang="zh-CN" altLang="en-US"/>
+          </a:p>
+        </p:txBody>
+      </p:sp>
+      <p:sp>
+        <p:nvSpPr>
+          <p:cNvPr id="14" name="文本框 13"/>
+          <p:cNvSpPr txBox="1"/>
+          <p:nvPr/>
+        </p:nvSpPr>
+        <p:spPr>
+          <a:xfrm>
+            <a:off x="1728470" y="1224280"/>
+            <a:ext cx="2313305" cy="368300"/>
+          </a:xfrm>
+          <a:prstGeom prst="rect">
+            <a:avLst/>
+          </a:prstGeom>
+          <a:noFill/>
+        </p:spPr>
+        <p:txBody>
+          <a:bodyPr wrap="square" rtlCol="0">
+            <a:spAutoFit/>
+          </a:bodyPr>
+          <a:p>
+            <a:r>
+              <a:rPr lang="zh-CN" altLang="en-US" sz="900"/>
+              <a:t>【适用于】</a:t>
+            </a:r>
+            <a:endParaRPr lang="zh-CN" altLang="en-US" sz="900"/>
+          </a:p>
+          <a:p>
+            <a:r>
+              <a:rPr lang="zh-CN" altLang="en-US" sz="900"/>
+              <a:t>在思念纪念品管理局兑换思念纪念品。</a:t>
+            </a:r>
+            <a:endParaRPr lang="zh-CN" altLang="en-US" sz="900"/>
+          </a:p>
+        </p:txBody>
+      </p:sp>
+      <p:sp>
+        <p:nvSpPr>
+          <p:cNvPr id="15" name="矩形 14"/>
+          <p:cNvSpPr/>
+          <p:nvPr/>
+        </p:nvSpPr>
+        <p:spPr>
+          <a:xfrm>
+            <a:off x="0" y="2232025"/>
+            <a:ext cx="1936115" cy="215900"/>
+          </a:xfrm>
+          <a:prstGeom prst="rect">
+            <a:avLst/>
+          </a:prstGeom>
+          <a:solidFill>
+            <a:srgbClr val="DDDD1C"/>
+          </a:solidFill>
+          <a:ln>
+            <a:solidFill>
+              <a:srgbClr val="DCDB1F"/>
+            </a:solidFill>
+          </a:ln>
+        </p:spPr>
+        <p:style>
+          <a:lnRef idx="2">
+            <a:schemeClr val="accent1">
+              <a:lumMod val="75000"/>
+            </a:schemeClr>
+          </a:lnRef>
+          <a:fillRef idx="1">
+            <a:schemeClr val="accent1"/>
+          </a:fillRef>
+          <a:effectRef idx="0">
+            <a:srgbClr val="FFFFFF"/>
+          </a:effectRef>
+          <a:fontRef idx="minor">
+            <a:schemeClr val="lt1"/>
+          </a:fontRef>
+        </p:style>
+        <p:txBody>
+          <a:bodyPr rtlCol="0" anchor="ctr"/>
+          <a:p>
+            <a:pPr algn="ctr"/>
+            <a:endParaRPr lang="zh-CN" altLang="en-US"/>
+          </a:p>
+        </p:txBody>
+      </p:sp>
+      <p:sp>
+        <p:nvSpPr>
+          <p:cNvPr id="16" name="矩形 15"/>
+          <p:cNvSpPr/>
+          <p:nvPr>
+            <p:custDataLst>
+              <p:tags r:id="rId1"/>
+            </p:custDataLst>
+          </p:nvPr>
+        </p:nvSpPr>
+        <p:spPr>
+          <a:xfrm>
+            <a:off x="2057400" y="2251710"/>
+            <a:ext cx="144000" cy="144000"/>
+          </a:xfrm>
+          <a:prstGeom prst="rect">
+            <a:avLst/>
+          </a:prstGeom>
+          <a:solidFill>
+            <a:srgbClr val="C41D22"/>
+          </a:solidFill>
+          <a:ln>
+            <a:solidFill>
+              <a:srgbClr val="C41D22"/>
+            </a:solidFill>
+          </a:ln>
+        </p:spPr>
+        <p:style>
+          <a:lnRef idx="2">
+            <a:schemeClr val="accent1">
+              <a:lumMod val="75000"/>
+            </a:schemeClr>
+          </a:lnRef>
+          <a:fillRef idx="1">
+            <a:schemeClr val="accent1"/>
+          </a:fillRef>
+          <a:effectRef idx="0">
+            <a:srgbClr val="FFFFFF"/>
+          </a:effectRef>
+          <a:fontRef idx="minor">
+            <a:schemeClr val="lt1"/>
+          </a:fontRef>
+        </p:style>
+        <p:txBody>
+          <a:bodyPr rtlCol="0" anchor="ctr"/>
+          <a:p>
+            <a:pPr algn="dist"/>
+            <a:endParaRPr lang="zh-CN" altLang="en-US" sz="900"/>
+          </a:p>
+        </p:txBody>
+      </p:sp>
+      <p:sp>
+        <p:nvSpPr>
+          <p:cNvPr id="17" name="文本框 16"/>
+          <p:cNvSpPr txBox="1"/>
+          <p:nvPr>
+            <p:custDataLst>
+              <p:tags r:id="rId2"/>
+            </p:custDataLst>
+          </p:nvPr>
+        </p:nvSpPr>
+        <p:spPr>
+          <a:xfrm>
+            <a:off x="1985645" y="2193925"/>
+            <a:ext cx="327660" cy="260350"/>
+          </a:xfrm>
+          <a:prstGeom prst="rect">
+            <a:avLst/>
+          </a:prstGeom>
+          <a:noFill/>
+        </p:spPr>
+        <p:txBody>
+          <a:bodyPr wrap="square" rtlCol="0">
+            <a:spAutoFit/>
+          </a:bodyPr>
+          <a:p>
+            <a:r>
+              <a:rPr lang="zh-CN" altLang="en-US" sz="1100">
+                <a:solidFill>
+                  <a:schemeClr val="bg1"/>
+                </a:solidFill>
+              </a:rPr>
+              <a:t>⚥</a:t>
+            </a:r>
+            <a:endParaRPr lang="zh-CN" altLang="en-US" sz="1100">
+              <a:solidFill>
+                <a:schemeClr val="bg1"/>
+              </a:solidFill>
+            </a:endParaRPr>
+          </a:p>
+        </p:txBody>
+      </p:sp>
+      <p:sp>
+        <p:nvSpPr>
+          <p:cNvPr id="18" name="文本框 17"/>
+          <p:cNvSpPr txBox="1"/>
+          <p:nvPr>
+            <p:custDataLst>
+              <p:tags r:id="rId3"/>
+            </p:custDataLst>
+          </p:nvPr>
+        </p:nvSpPr>
+        <p:spPr>
+          <a:xfrm>
+            <a:off x="2160270" y="2224405"/>
+            <a:ext cx="1572260" cy="229870"/>
+          </a:xfrm>
+          <a:prstGeom prst="rect">
+            <a:avLst/>
+          </a:prstGeom>
+          <a:noFill/>
+        </p:spPr>
+        <p:txBody>
+          <a:bodyPr wrap="square" rtlCol="0">
+            <a:spAutoFit/>
+          </a:bodyPr>
+          <a:p>
+            <a:r>
+              <a:rPr lang="zh-CN" altLang="en-US" sz="900">
+                <a:latin typeface="华光大黑_CNKI" panose="02000500000000000000" charset="-122"/>
+                <a:ea typeface="华光大黑_CNKI" panose="02000500000000000000" charset="-122"/>
+              </a:rPr>
+              <a:t>参宿四思念纪念品管理局</a:t>
+            </a:r>
+            <a:endParaRPr lang="zh-CN" altLang="en-US" sz="900">
+              <a:latin typeface="华光大黑_CNKI" panose="02000500000000000000" charset="-122"/>
+              <a:ea typeface="华光大黑_CNKI" panose="02000500000000000000" charset="-122"/>
+            </a:endParaRPr>
+          </a:p>
+        </p:txBody>
+      </p:sp>
+      <p:sp>
+        <p:nvSpPr>
+          <p:cNvPr id="19" name="文本框 18"/>
+          <p:cNvSpPr txBox="1"/>
+          <p:nvPr>
+            <p:custDataLst>
+              <p:tags r:id="rId4"/>
+            </p:custDataLst>
+          </p:nvPr>
+        </p:nvSpPr>
+        <p:spPr>
+          <a:xfrm>
+            <a:off x="1907540" y="2376170"/>
+            <a:ext cx="704215" cy="152400"/>
+          </a:xfrm>
+          <a:prstGeom prst="rect">
+            <a:avLst/>
+          </a:prstGeom>
+          <a:noFill/>
+        </p:spPr>
+        <p:txBody>
+          <a:bodyPr wrap="square" rtlCol="0">
+            <a:spAutoFit/>
+          </a:bodyPr>
+          <a:p>
+            <a:r>
+              <a:rPr lang="zh-CN" altLang="en-US" sz="400" b="1">
+                <a:latin typeface="黑体" panose="02010609060101010101" charset="-122"/>
+                <a:ea typeface="黑体" panose="02010609060101010101" charset="-122"/>
+              </a:rPr>
+              <a:t>参宿四中心</a:t>
+            </a:r>
+            <a:endParaRPr lang="zh-CN" altLang="en-US" sz="400" b="1">
+              <a:latin typeface="黑体" panose="02010609060101010101" charset="-122"/>
+              <a:ea typeface="黑体" panose="02010609060101010101" charset="-122"/>
+            </a:endParaRPr>
+          </a:p>
+        </p:txBody>
+      </p:sp>
+      <p:sp>
+        <p:nvSpPr>
+          <p:cNvPr id="2" name="文本框 1"/>
+          <p:cNvSpPr txBox="1"/>
+          <p:nvPr/>
+        </p:nvSpPr>
+        <p:spPr>
+          <a:xfrm>
+            <a:off x="4248785" y="856615"/>
+            <a:ext cx="1226185" cy="275590"/>
+          </a:xfrm>
+          <a:prstGeom prst="rect">
+            <a:avLst/>
+          </a:prstGeom>
+          <a:noFill/>
+        </p:spPr>
+        <p:txBody>
+          <a:bodyPr wrap="square" rtlCol="0">
+            <a:spAutoFit/>
+          </a:bodyPr>
+          <a:p>
+            <a:r>
+              <a:rPr lang="en-US" altLang="zh-CN" sz="1200" b="1">
+                <a:solidFill>
+                  <a:srgbClr val="573469"/>
+                </a:solidFill>
+              </a:rPr>
+              <a:t>100point x 1</a:t>
+            </a:r>
+            <a:r>
+              <a:rPr lang="zh-CN" altLang="en-US" sz="1200" b="1">
+                <a:solidFill>
+                  <a:srgbClr val="573469"/>
+                </a:solidFill>
+              </a:rPr>
+              <a:t>张</a:t>
+            </a:r>
+            <a:endParaRPr lang="zh-CN" altLang="en-US" sz="1200" b="1">
+              <a:solidFill>
+                <a:srgbClr val="573469"/>
+              </a:solidFill>
+            </a:endParaRPr>
+          </a:p>
+        </p:txBody>
+      </p:sp>
+    </p:spTree>
+  </p:cSld>
+  <p:clrMapOvr>
+    <a:masterClrMapping/>
+  </p:clrMapOvr>
+</p:sld>
+</file>
+
 <file path=ppt/tags/tag1.xml><?xml version="1.0" encoding="utf-8"?>
 <p:tagLst xmlns:p="http://schemas.openxmlformats.org/presentationml/2006/main">
   <p:tag name="KSO_WM_BEAUTIFY_FLAG" val=""/>
@@ -6913,6 +7572,30 @@
 </file>
 
 <file path=ppt/tags/tag20.xml><?xml version="1.0" encoding="utf-8"?>
+<p:tagLst xmlns:p="http://schemas.openxmlformats.org/presentationml/2006/main">
+  <p:tag name="KSO_WM_BEAUTIFY_FLAG" val=""/>
+</p:tagLst>
+</file>
+
+<file path=ppt/tags/tag21.xml><?xml version="1.0" encoding="utf-8"?>
+<p:tagLst xmlns:p="http://schemas.openxmlformats.org/presentationml/2006/main">
+  <p:tag name="KSO_WM_BEAUTIFY_FLAG" val=""/>
+</p:tagLst>
+</file>
+
+<file path=ppt/tags/tag22.xml><?xml version="1.0" encoding="utf-8"?>
+<p:tagLst xmlns:p="http://schemas.openxmlformats.org/presentationml/2006/main">
+  <p:tag name="KSO_WM_BEAUTIFY_FLAG" val=""/>
+</p:tagLst>
+</file>
+
+<file path=ppt/tags/tag23.xml><?xml version="1.0" encoding="utf-8"?>
+<p:tagLst xmlns:p="http://schemas.openxmlformats.org/presentationml/2006/main">
+  <p:tag name="KSO_WM_BEAUTIFY_FLAG" val=""/>
+</p:tagLst>
+</file>
+
+<file path=ppt/tags/tag24.xml><?xml version="1.0" encoding="utf-8"?>
 <p:tagLst xmlns:p="http://schemas.openxmlformats.org/presentationml/2006/main">
   <p:tag name="commondata" val="eyJoZGlkIjoiMzRjNDEyYjIzMDlhMmM2NTM5Zjc4MDdmNzdjMDcwOTkifQ=="/>
 </p:tagLst>

--- a/冥钞/Z60-纪念钞.pptx
+++ b/冥钞/Z60-纪念钞.pptx
@@ -14,11 +14,12 @@
     <p:sldId id="262" r:id="rId9"/>
     <p:sldId id="263" r:id="rId10"/>
     <p:sldId id="264" r:id="rId11"/>
+    <p:sldId id="265" r:id="rId12"/>
   </p:sldIdLst>
   <p:sldSz cx="5616575" cy="2735580"/>
   <p:notesSz cx="6858000" cy="9144000"/>
   <p:custDataLst>
-    <p:tags r:id="rId15"/>
+    <p:tags r:id="rId16"/>
   </p:custDataLst>
   <p:defaultTextStyle>
     <a:defPPr>
@@ -208,7 +209,7 @@
   <p:extLst>
     <p:ext uri="{EFAFB233-063F-42B5-8137-9DF3F51BA10A}">
       <p15:sldGuideLst xmlns:p15="http://schemas.microsoft.com/office/powerpoint/2012/main">
-        <p15:guide id="1" orient="horz" pos="887" userDrawn="1">
+        <p15:guide id="1" orient="horz" pos="873" userDrawn="1">
           <p15:clr>
             <a:srgbClr val="A4A3A4"/>
           </p15:clr>
@@ -3661,6 +3662,501 @@
 </p:sld>
 </file>
 
+<file path=ppt/slides/slide10.xml><?xml version="1.0" encoding="utf-8"?>
+<p:sld xmlns:a="http://schemas.openxmlformats.org/drawingml/2006/main" xmlns:r="http://schemas.openxmlformats.org/officeDocument/2006/relationships" xmlns:p="http://schemas.openxmlformats.org/presentationml/2006/main">
+  <p:cSld>
+    <p:spTree>
+      <p:nvGrpSpPr>
+        <p:cNvPr id="1" name=""/>
+        <p:cNvGrpSpPr/>
+        <p:nvPr/>
+      </p:nvGrpSpPr>
+      <p:grpSpPr/>
+      <p:sp>
+        <p:nvSpPr>
+          <p:cNvPr id="4" name="圆角矩形 3"/>
+          <p:cNvSpPr/>
+          <p:nvPr/>
+        </p:nvSpPr>
+        <p:spPr>
+          <a:xfrm>
+            <a:off x="144145" y="76200"/>
+            <a:ext cx="791845" cy="2371090"/>
+          </a:xfrm>
+          <a:prstGeom prst="roundRect">
+            <a:avLst/>
+          </a:prstGeom>
+          <a:solidFill>
+            <a:srgbClr val="032DCD"/>
+          </a:solidFill>
+          <a:ln>
+            <a:solidFill>
+              <a:srgbClr val="032DD1"/>
+            </a:solidFill>
+          </a:ln>
+        </p:spPr>
+        <p:style>
+          <a:lnRef idx="2">
+            <a:schemeClr val="accent1">
+              <a:lumMod val="75000"/>
+            </a:schemeClr>
+          </a:lnRef>
+          <a:fillRef idx="1">
+            <a:schemeClr val="accent1"/>
+          </a:fillRef>
+          <a:effectRef idx="0">
+            <a:srgbClr val="FFFFFF"/>
+          </a:effectRef>
+          <a:fontRef idx="minor">
+            <a:schemeClr val="lt1"/>
+          </a:fontRef>
+        </p:style>
+        <p:txBody>
+          <a:bodyPr rtlCol="0" anchor="ctr"/>
+          <a:p>
+            <a:pPr algn="ctr"/>
+            <a:endParaRPr lang="zh-CN" altLang="en-US"/>
+          </a:p>
+        </p:txBody>
+      </p:sp>
+      <p:sp>
+        <p:nvSpPr>
+          <p:cNvPr id="5" name="矩形 4"/>
+          <p:cNvSpPr/>
+          <p:nvPr/>
+        </p:nvSpPr>
+        <p:spPr>
+          <a:xfrm>
+            <a:off x="1428115" y="935990"/>
+            <a:ext cx="4188460" cy="288290"/>
+          </a:xfrm>
+          <a:prstGeom prst="rect">
+            <a:avLst/>
+          </a:prstGeom>
+          <a:solidFill>
+            <a:srgbClr val="00D5B7"/>
+          </a:solidFill>
+          <a:ln>
+            <a:solidFill>
+              <a:srgbClr val="02D3B6"/>
+            </a:solidFill>
+          </a:ln>
+        </p:spPr>
+        <p:style>
+          <a:lnRef idx="2">
+            <a:schemeClr val="accent1">
+              <a:lumMod val="75000"/>
+            </a:schemeClr>
+          </a:lnRef>
+          <a:fillRef idx="1">
+            <a:schemeClr val="accent1"/>
+          </a:fillRef>
+          <a:effectRef idx="0">
+            <a:srgbClr val="FFFFFF"/>
+          </a:effectRef>
+          <a:fontRef idx="minor">
+            <a:schemeClr val="lt1"/>
+          </a:fontRef>
+        </p:style>
+        <p:txBody>
+          <a:bodyPr rtlCol="0" anchor="ctr"/>
+          <a:p>
+            <a:pPr algn="ctr"/>
+            <a:endParaRPr lang="zh-CN" altLang="en-US"/>
+          </a:p>
+        </p:txBody>
+      </p:sp>
+      <p:sp>
+        <p:nvSpPr>
+          <p:cNvPr id="6" name="文本框 5"/>
+          <p:cNvSpPr txBox="1"/>
+          <p:nvPr/>
+        </p:nvSpPr>
+        <p:spPr>
+          <a:xfrm>
+            <a:off x="1440180" y="895985"/>
+            <a:ext cx="1268730" cy="368300"/>
+          </a:xfrm>
+          <a:prstGeom prst="rect">
+            <a:avLst/>
+          </a:prstGeom>
+          <a:noFill/>
+        </p:spPr>
+        <p:txBody>
+          <a:bodyPr wrap="square" rtlCol="0">
+            <a:spAutoFit/>
+          </a:bodyPr>
+          <a:p>
+            <a:r>
+              <a:rPr lang="en-US" altLang="zh-CN" b="1">
+                <a:solidFill>
+                  <a:schemeClr val="bg1"/>
+                </a:solidFill>
+              </a:rPr>
+              <a:t>75</a:t>
+            </a:r>
+            <a:r>
+              <a:rPr lang="en-US" altLang="zh-CN">
+                <a:solidFill>
+                  <a:schemeClr val="bg1"/>
+                </a:solidFill>
+              </a:rPr>
+              <a:t> point</a:t>
+            </a:r>
+            <a:endParaRPr lang="en-US" altLang="zh-CN">
+              <a:solidFill>
+                <a:schemeClr val="bg1"/>
+              </a:solidFill>
+            </a:endParaRPr>
+          </a:p>
+        </p:txBody>
+      </p:sp>
+      <p:sp>
+        <p:nvSpPr>
+          <p:cNvPr id="7" name="文本框 6"/>
+          <p:cNvSpPr txBox="1"/>
+          <p:nvPr/>
+        </p:nvSpPr>
+        <p:spPr>
+          <a:xfrm>
+            <a:off x="1368425" y="143510"/>
+            <a:ext cx="3474720" cy="460375"/>
+          </a:xfrm>
+          <a:prstGeom prst="rect">
+            <a:avLst/>
+          </a:prstGeom>
+          <a:noFill/>
+        </p:spPr>
+        <p:txBody>
+          <a:bodyPr wrap="square" rtlCol="0">
+            <a:spAutoFit/>
+          </a:bodyPr>
+          <a:p>
+            <a:r>
+              <a:rPr lang="zh-CN" altLang="en-US" sz="2400" b="1">
+                <a:latin typeface="黑体" panose="02010609060101010101" charset="-122"/>
+                <a:ea typeface="黑体" panose="02010609060101010101" charset="-122"/>
+              </a:rPr>
+              <a:t>来自地球的思念</a:t>
+            </a:r>
+            <a:endParaRPr lang="zh-CN" altLang="en-US" sz="2400" b="1">
+              <a:latin typeface="黑体" panose="02010609060101010101" charset="-122"/>
+              <a:ea typeface="黑体" panose="02010609060101010101" charset="-122"/>
+            </a:endParaRPr>
+          </a:p>
+        </p:txBody>
+      </p:sp>
+      <p:sp>
+        <p:nvSpPr>
+          <p:cNvPr id="8" name="文本框 7"/>
+          <p:cNvSpPr txBox="1"/>
+          <p:nvPr/>
+        </p:nvSpPr>
+        <p:spPr>
+          <a:xfrm>
+            <a:off x="1368425" y="541655"/>
+            <a:ext cx="1215390" cy="306705"/>
+          </a:xfrm>
+          <a:prstGeom prst="rect">
+            <a:avLst/>
+          </a:prstGeom>
+          <a:noFill/>
+        </p:spPr>
+        <p:txBody>
+          <a:bodyPr wrap="square" rtlCol="0">
+            <a:spAutoFit/>
+          </a:bodyPr>
+          <a:p>
+            <a:r>
+              <a:rPr lang="zh-CN" altLang="en-US" sz="1400">
+                <a:latin typeface="华光中雅_CNKI" panose="02000500000000000000" charset="-122"/>
+                <a:ea typeface="华光中雅_CNKI" panose="02000500000000000000" charset="-122"/>
+              </a:rPr>
+              <a:t>参宿四</a:t>
+            </a:r>
+            <a:endParaRPr lang="zh-CN" altLang="en-US" sz="1400">
+              <a:latin typeface="华光中雅_CNKI" panose="02000500000000000000" charset="-122"/>
+              <a:ea typeface="华光中雅_CNKI" panose="02000500000000000000" charset="-122"/>
+            </a:endParaRPr>
+          </a:p>
+        </p:txBody>
+      </p:sp>
+      <p:sp>
+        <p:nvSpPr>
+          <p:cNvPr id="9" name="文本框 8"/>
+          <p:cNvSpPr txBox="1"/>
+          <p:nvPr>
+            <p:custDataLst>
+              <p:tags r:id="rId1"/>
+            </p:custDataLst>
+          </p:nvPr>
+        </p:nvSpPr>
+        <p:spPr>
+          <a:xfrm>
+            <a:off x="1428115" y="1264285"/>
+            <a:ext cx="1586865" cy="245110"/>
+          </a:xfrm>
+          <a:prstGeom prst="rect">
+            <a:avLst/>
+          </a:prstGeom>
+          <a:noFill/>
+        </p:spPr>
+        <p:txBody>
+          <a:bodyPr wrap="square" rtlCol="0">
+            <a:spAutoFit/>
+          </a:bodyPr>
+          <a:p>
+            <a:r>
+              <a:rPr lang="en-US" altLang="zh-CN" sz="1000"/>
+              <a:t>Yearning From the Earth</a:t>
+            </a:r>
+            <a:endParaRPr lang="en-US" altLang="zh-CN" sz="1000"/>
+          </a:p>
+        </p:txBody>
+      </p:sp>
+      <p:sp>
+        <p:nvSpPr>
+          <p:cNvPr id="10" name="文本框 9"/>
+          <p:cNvSpPr txBox="1"/>
+          <p:nvPr>
+            <p:custDataLst>
+              <p:tags r:id="rId2"/>
+            </p:custDataLst>
+          </p:nvPr>
+        </p:nvSpPr>
+        <p:spPr>
+          <a:xfrm>
+            <a:off x="1428115" y="1471930"/>
+            <a:ext cx="3987165" cy="245110"/>
+          </a:xfrm>
+          <a:prstGeom prst="rect">
+            <a:avLst/>
+          </a:prstGeom>
+          <a:noFill/>
+        </p:spPr>
+        <p:txBody>
+          <a:bodyPr wrap="square" rtlCol="0">
+            <a:spAutoFit/>
+          </a:bodyPr>
+          <a:p>
+            <a:r>
+              <a:rPr lang="zh-CN" altLang="en-US" sz="1000"/>
+              <a:t>行星编号：CCDM</a:t>
+            </a:r>
+            <a:r>
+              <a:rPr lang="en-US" altLang="zh-CN" sz="1000"/>
+              <a:t> </a:t>
+            </a:r>
+            <a:r>
+              <a:rPr lang="zh-CN" altLang="en-US" sz="1000"/>
+              <a:t>J05552+0724AP</a:t>
+            </a:r>
+            <a:endParaRPr lang="zh-CN" altLang="en-US" sz="1000"/>
+          </a:p>
+        </p:txBody>
+      </p:sp>
+      <p:sp>
+        <p:nvSpPr>
+          <p:cNvPr id="12" name="文本框 11"/>
+          <p:cNvSpPr txBox="1"/>
+          <p:nvPr/>
+        </p:nvSpPr>
+        <p:spPr>
+          <a:xfrm>
+            <a:off x="1428115" y="1924685"/>
+            <a:ext cx="827405" cy="521970"/>
+          </a:xfrm>
+          <a:prstGeom prst="rect">
+            <a:avLst/>
+          </a:prstGeom>
+          <a:noFill/>
+        </p:spPr>
+        <p:txBody>
+          <a:bodyPr wrap="square" rtlCol="0">
+            <a:spAutoFit/>
+          </a:bodyPr>
+          <a:p>
+            <a:r>
+              <a:rPr lang="en-US" altLang="zh-CN" sz="2800" b="1">
+                <a:solidFill>
+                  <a:srgbClr val="ACDCCB"/>
+                </a:solidFill>
+              </a:rPr>
+              <a:t>50</a:t>
+            </a:r>
+            <a:endParaRPr lang="en-US" altLang="zh-CN" sz="2800" b="1">
+              <a:solidFill>
+                <a:srgbClr val="ACDCCB"/>
+              </a:solidFill>
+            </a:endParaRPr>
+          </a:p>
+        </p:txBody>
+      </p:sp>
+      <p:pic>
+        <p:nvPicPr>
+          <p:cNvPr id="105" name="图片 104"/>
+          <p:cNvPicPr/>
+          <p:nvPr>
+            <p:custDataLst>
+              <p:tags r:id="rId3"/>
+            </p:custDataLst>
+          </p:nvPr>
+        </p:nvPicPr>
+        <p:blipFill>
+          <a:blip r:embed="rId4"/>
+          <a:stretch>
+            <a:fillRect/>
+          </a:stretch>
+        </p:blipFill>
+        <p:spPr>
+          <a:xfrm>
+            <a:off x="1440180" y="2297430"/>
+            <a:ext cx="490220" cy="438150"/>
+          </a:xfrm>
+          <a:prstGeom prst="rect">
+            <a:avLst/>
+          </a:prstGeom>
+          <a:noFill/>
+          <a:ln w="9525">
+            <a:noFill/>
+          </a:ln>
+        </p:spPr>
+      </p:pic>
+      <p:sp>
+        <p:nvSpPr>
+          <p:cNvPr id="14" name="文本框 13"/>
+          <p:cNvSpPr txBox="1"/>
+          <p:nvPr/>
+        </p:nvSpPr>
+        <p:spPr>
+          <a:xfrm>
+            <a:off x="1800225" y="2340610"/>
+            <a:ext cx="961390" cy="368300"/>
+          </a:xfrm>
+          <a:prstGeom prst="rect">
+            <a:avLst/>
+          </a:prstGeom>
+          <a:noFill/>
+        </p:spPr>
+        <p:txBody>
+          <a:bodyPr wrap="square" rtlCol="0">
+            <a:spAutoFit/>
+          </a:bodyPr>
+          <a:p>
+            <a:r>
+              <a:rPr lang="en-US" altLang="zh-CN"/>
+              <a:t>50</a:t>
+            </a:r>
+            <a:r>
+              <a:rPr lang="zh-CN" altLang="en-US" sz="1000"/>
+              <a:t>点装</a:t>
+            </a:r>
+            <a:endParaRPr lang="zh-CN" altLang="en-US" sz="1000"/>
+          </a:p>
+        </p:txBody>
+      </p:sp>
+      <p:sp>
+        <p:nvSpPr>
+          <p:cNvPr id="19" name="文本框 18"/>
+          <p:cNvSpPr txBox="1"/>
+          <p:nvPr>
+            <p:custDataLst>
+              <p:tags r:id="rId5"/>
+            </p:custDataLst>
+          </p:nvPr>
+        </p:nvSpPr>
+        <p:spPr>
+          <a:xfrm>
+            <a:off x="144145" y="1224280"/>
+            <a:ext cx="418465" cy="1445260"/>
+          </a:xfrm>
+          <a:prstGeom prst="rect">
+            <a:avLst/>
+          </a:prstGeom>
+          <a:noFill/>
+        </p:spPr>
+        <p:txBody>
+          <a:bodyPr wrap="square" rtlCol="0" anchor="t">
+            <a:spAutoFit/>
+          </a:bodyPr>
+          <a:p>
+            <a:r>
+              <a:rPr lang="zh-CN" altLang="en-US" sz="8800">
+                <a:ln>
+                  <a:solidFill>
+                    <a:schemeClr val="bg1"/>
+                  </a:solidFill>
+                </a:ln>
+                <a:solidFill>
+                  <a:schemeClr val="bg1"/>
+                </a:solidFill>
+                <a:sym typeface="+mn-ea"/>
+              </a:rPr>
+              <a:t>⚥</a:t>
+            </a:r>
+            <a:endParaRPr lang="zh-CN" altLang="en-US" sz="8800">
+              <a:ln>
+                <a:solidFill>
+                  <a:schemeClr val="bg1"/>
+                </a:solidFill>
+              </a:ln>
+              <a:solidFill>
+                <a:schemeClr val="bg1"/>
+              </a:solidFill>
+              <a:sym typeface="+mn-ea"/>
+            </a:endParaRPr>
+          </a:p>
+        </p:txBody>
+      </p:sp>
+      <p:sp>
+        <p:nvSpPr>
+          <p:cNvPr id="15" name="文本框 14"/>
+          <p:cNvSpPr txBox="1"/>
+          <p:nvPr/>
+        </p:nvSpPr>
+        <p:spPr>
+          <a:xfrm>
+            <a:off x="114300" y="2428875"/>
+            <a:ext cx="1475105" cy="306705"/>
+          </a:xfrm>
+          <a:prstGeom prst="rect">
+            <a:avLst/>
+          </a:prstGeom>
+          <a:noFill/>
+        </p:spPr>
+        <p:txBody>
+          <a:bodyPr wrap="square" rtlCol="0">
+            <a:spAutoFit/>
+          </a:bodyPr>
+          <a:p>
+            <a:r>
+              <a:rPr lang="zh-CN" altLang="en-US" sz="1400">
+                <a:solidFill>
+                  <a:srgbClr val="032DCD"/>
+                </a:solidFill>
+                <a:latin typeface="华光中雅_CNKI" panose="02000500000000000000" charset="-122"/>
+                <a:ea typeface="华光中雅_CNKI" panose="02000500000000000000" charset="-122"/>
+              </a:rPr>
+              <a:t>参宿四星</a:t>
+            </a:r>
+            <a:endParaRPr lang="zh-CN" altLang="en-US" sz="1400">
+              <a:solidFill>
+                <a:srgbClr val="032DCD"/>
+              </a:solidFill>
+              <a:latin typeface="华光中雅_CNKI" panose="02000500000000000000" charset="-122"/>
+              <a:ea typeface="华光中雅_CNKI" panose="02000500000000000000" charset="-122"/>
+            </a:endParaRPr>
+          </a:p>
+        </p:txBody>
+      </p:sp>
+    </p:spTree>
+  </p:cSld>
+  <p:clrMapOvr>
+    <a:masterClrMapping/>
+  </p:clrMapOvr>
+</p:sld>
+</file>
+
 <file path=ppt/slides/slide2.xml><?xml version="1.0" encoding="utf-8"?>
 <p:sld xmlns:a="http://schemas.openxmlformats.org/drawingml/2006/main" xmlns:r="http://schemas.openxmlformats.org/officeDocument/2006/relationships" xmlns:p="http://schemas.openxmlformats.org/presentationml/2006/main">
   <p:cSld>
@@ -7596,6 +8092,30 @@
 </file>
 
 <file path=ppt/tags/tag24.xml><?xml version="1.0" encoding="utf-8"?>
+<p:tagLst xmlns:p="http://schemas.openxmlformats.org/presentationml/2006/main">
+  <p:tag name="KSO_WM_BEAUTIFY_FLAG" val=""/>
+</p:tagLst>
+</file>
+
+<file path=ppt/tags/tag25.xml><?xml version="1.0" encoding="utf-8"?>
+<p:tagLst xmlns:p="http://schemas.openxmlformats.org/presentationml/2006/main">
+  <p:tag name="KSO_WM_BEAUTIFY_FLAG" val=""/>
+</p:tagLst>
+</file>
+
+<file path=ppt/tags/tag26.xml><?xml version="1.0" encoding="utf-8"?>
+<p:tagLst xmlns:p="http://schemas.openxmlformats.org/presentationml/2006/main">
+  <p:tag name="KSO_WM_BEAUTIFY_FLAG" val=""/>
+</p:tagLst>
+</file>
+
+<file path=ppt/tags/tag27.xml><?xml version="1.0" encoding="utf-8"?>
+<p:tagLst xmlns:p="http://schemas.openxmlformats.org/presentationml/2006/main">
+  <p:tag name="KSO_WM_BEAUTIFY_FLAG" val=""/>
+</p:tagLst>
+</file>
+
+<file path=ppt/tags/tag28.xml><?xml version="1.0" encoding="utf-8"?>
 <p:tagLst xmlns:p="http://schemas.openxmlformats.org/presentationml/2006/main">
   <p:tag name="commondata" val="eyJoZGlkIjoiMzRjNDEyYjIzMDlhMmM2NTM5Zjc4MDdmNzdjMDcwOTkifQ=="/>
 </p:tagLst>

--- a/冥钞/Z60-纪念钞.pptx
+++ b/冥钞/Z60-纪念钞.pptx
@@ -15,11 +15,13 @@
     <p:sldId id="263" r:id="rId10"/>
     <p:sldId id="264" r:id="rId11"/>
     <p:sldId id="265" r:id="rId12"/>
+    <p:sldId id="266" r:id="rId13"/>
+    <p:sldId id="267" r:id="rId14"/>
   </p:sldIdLst>
   <p:sldSz cx="5616575" cy="2735580"/>
   <p:notesSz cx="6858000" cy="9144000"/>
   <p:custDataLst>
-    <p:tags r:id="rId16"/>
+    <p:tags r:id="rId18"/>
   </p:custDataLst>
   <p:defaultTextStyle>
     <a:defPPr>
@@ -209,12 +211,12 @@
   <p:extLst>
     <p:ext uri="{EFAFB233-063F-42B5-8137-9DF3F51BA10A}">
       <p15:sldGuideLst xmlns:p15="http://schemas.microsoft.com/office/powerpoint/2012/main">
-        <p15:guide id="1" orient="horz" pos="873" userDrawn="1">
+        <p15:guide id="1" orient="horz" pos="862" userDrawn="1">
           <p15:clr>
             <a:srgbClr val="A4A3A4"/>
           </p15:clr>
         </p15:guide>
-        <p15:guide id="2" pos="1768" userDrawn="1">
+        <p15:guide id="2" pos="1769" userDrawn="1">
           <p15:clr>
             <a:srgbClr val="A4A3A4"/>
           </p15:clr>
@@ -4157,6 +4159,1018 @@
 </p:sld>
 </file>
 
+<file path=ppt/slides/slide11.xml><?xml version="1.0" encoding="utf-8"?>
+<p:sld xmlns:a="http://schemas.openxmlformats.org/drawingml/2006/main" xmlns:r="http://schemas.openxmlformats.org/officeDocument/2006/relationships" xmlns:p="http://schemas.openxmlformats.org/presentationml/2006/main">
+  <p:cSld>
+    <p:spTree>
+      <p:nvGrpSpPr>
+        <p:cNvPr id="1" name=""/>
+        <p:cNvGrpSpPr/>
+        <p:nvPr/>
+      </p:nvGrpSpPr>
+      <p:grpSpPr/>
+      <p:pic>
+        <p:nvPicPr>
+          <p:cNvPr id="100" name="图片 99"/>
+          <p:cNvPicPr>
+            <a:picLocks noChangeAspect="1"/>
+          </p:cNvPicPr>
+          <p:nvPr>
+            <p:custDataLst>
+              <p:tags r:id="rId1"/>
+            </p:custDataLst>
+          </p:nvPr>
+        </p:nvPicPr>
+        <p:blipFill>
+          <a:blip r:embed="rId2"/>
+          <a:stretch>
+            <a:fillRect/>
+          </a:stretch>
+        </p:blipFill>
+        <p:spPr>
+          <a:xfrm>
+            <a:off x="0" y="1504315"/>
+            <a:ext cx="5617210" cy="1279525"/>
+          </a:xfrm>
+          <a:prstGeom prst="rect">
+            <a:avLst/>
+          </a:prstGeom>
+          <a:noFill/>
+          <a:ln w="9525">
+            <a:noFill/>
+          </a:ln>
+        </p:spPr>
+      </p:pic>
+      <p:sp>
+        <p:nvSpPr>
+          <p:cNvPr id="5" name="流程图: 过程 4"/>
+          <p:cNvSpPr/>
+          <p:nvPr/>
+        </p:nvSpPr>
+        <p:spPr>
+          <a:xfrm>
+            <a:off x="144145" y="2087880"/>
+            <a:ext cx="935990" cy="647700"/>
+          </a:xfrm>
+          <a:prstGeom prst="flowChartProcess">
+            <a:avLst/>
+          </a:prstGeom>
+          <a:solidFill>
+            <a:srgbClr val="908E9C"/>
+          </a:solidFill>
+          <a:ln>
+            <a:solidFill>
+              <a:srgbClr val="908E9C"/>
+            </a:solidFill>
+          </a:ln>
+        </p:spPr>
+        <p:style>
+          <a:lnRef idx="2">
+            <a:schemeClr val="accent1">
+              <a:lumMod val="75000"/>
+            </a:schemeClr>
+          </a:lnRef>
+          <a:fillRef idx="1">
+            <a:schemeClr val="accent1"/>
+          </a:fillRef>
+          <a:effectRef idx="0">
+            <a:srgbClr val="FFFFFF"/>
+          </a:effectRef>
+          <a:fontRef idx="minor">
+            <a:schemeClr val="lt1"/>
+          </a:fontRef>
+        </p:style>
+        <p:txBody>
+          <a:bodyPr rtlCol="0" anchor="ctr"/>
+          <a:p>
+            <a:pPr algn="ctr"/>
+            <a:endParaRPr lang="zh-CN" altLang="en-US"/>
+          </a:p>
+        </p:txBody>
+      </p:sp>
+      <p:sp>
+        <p:nvSpPr>
+          <p:cNvPr id="6" name="矩形 5"/>
+          <p:cNvSpPr/>
+          <p:nvPr/>
+        </p:nvSpPr>
+        <p:spPr>
+          <a:xfrm>
+            <a:off x="0" y="1799590"/>
+            <a:ext cx="75565" cy="1008380"/>
+          </a:xfrm>
+          <a:prstGeom prst="rect">
+            <a:avLst/>
+          </a:prstGeom>
+          <a:solidFill>
+            <a:srgbClr val="908E9C"/>
+          </a:solidFill>
+          <a:ln>
+            <a:solidFill>
+              <a:srgbClr val="908E9C"/>
+            </a:solidFill>
+          </a:ln>
+        </p:spPr>
+        <p:style>
+          <a:lnRef idx="2">
+            <a:schemeClr val="accent1">
+              <a:lumMod val="75000"/>
+            </a:schemeClr>
+          </a:lnRef>
+          <a:fillRef idx="1">
+            <a:schemeClr val="accent1"/>
+          </a:fillRef>
+          <a:effectRef idx="0">
+            <a:srgbClr val="FFFFFF"/>
+          </a:effectRef>
+          <a:fontRef idx="minor">
+            <a:schemeClr val="lt1"/>
+          </a:fontRef>
+        </p:style>
+        <p:txBody>
+          <a:bodyPr rtlCol="0" anchor="ctr"/>
+          <a:p>
+            <a:pPr algn="ctr"/>
+            <a:endParaRPr lang="zh-CN" altLang="en-US"/>
+          </a:p>
+        </p:txBody>
+      </p:sp>
+      <p:sp>
+        <p:nvSpPr>
+          <p:cNvPr id="7" name="矩形 6"/>
+          <p:cNvSpPr/>
+          <p:nvPr/>
+        </p:nvSpPr>
+        <p:spPr>
+          <a:xfrm>
+            <a:off x="0" y="1511935"/>
+            <a:ext cx="75565" cy="287655"/>
+          </a:xfrm>
+          <a:prstGeom prst="rect">
+            <a:avLst/>
+          </a:prstGeom>
+          <a:solidFill>
+            <a:srgbClr val="9A9CA9"/>
+          </a:solidFill>
+          <a:ln>
+            <a:solidFill>
+              <a:srgbClr val="9A9CA9"/>
+            </a:solidFill>
+          </a:ln>
+        </p:spPr>
+        <p:style>
+          <a:lnRef idx="2">
+            <a:schemeClr val="accent1">
+              <a:lumMod val="75000"/>
+            </a:schemeClr>
+          </a:lnRef>
+          <a:fillRef idx="1">
+            <a:schemeClr val="accent1"/>
+          </a:fillRef>
+          <a:effectRef idx="0">
+            <a:srgbClr val="FFFFFF"/>
+          </a:effectRef>
+          <a:fontRef idx="minor">
+            <a:schemeClr val="lt1"/>
+          </a:fontRef>
+        </p:style>
+        <p:txBody>
+          <a:bodyPr rtlCol="0" anchor="ctr"/>
+          <a:p>
+            <a:pPr algn="ctr"/>
+            <a:endParaRPr lang="zh-CN" altLang="en-US"/>
+          </a:p>
+        </p:txBody>
+      </p:sp>
+      <p:sp>
+        <p:nvSpPr>
+          <p:cNvPr id="8" name="椭圆 7"/>
+          <p:cNvSpPr/>
+          <p:nvPr>
+            <p:custDataLst>
+              <p:tags r:id="rId3"/>
+            </p:custDataLst>
+          </p:nvPr>
+        </p:nvSpPr>
+        <p:spPr>
+          <a:xfrm>
+            <a:off x="215900" y="201295"/>
+            <a:ext cx="720725" cy="720725"/>
+          </a:xfrm>
+          <a:prstGeom prst="ellipse">
+            <a:avLst/>
+          </a:prstGeom>
+          <a:noFill/>
+          <a:ln w="9525">
+            <a:solidFill>
+              <a:schemeClr val="tx1"/>
+            </a:solidFill>
+          </a:ln>
+          <a:extLst>
+            <a:ext uri="{909E8E84-426E-40DD-AFC4-6F175D3DCCD1}">
+              <a14:hiddenFill xmlns:a14="http://schemas.microsoft.com/office/drawing/2010/main">
+                <a:solidFill>
+                  <a:schemeClr val="accent1"/>
+                </a:solidFill>
+              </a14:hiddenFill>
+            </a:ext>
+          </a:extLst>
+        </p:spPr>
+        <p:style>
+          <a:lnRef idx="2">
+            <a:schemeClr val="accent1">
+              <a:lumMod val="75000"/>
+            </a:schemeClr>
+          </a:lnRef>
+          <a:fillRef idx="1">
+            <a:schemeClr val="accent1"/>
+          </a:fillRef>
+          <a:effectRef idx="0">
+            <a:srgbClr val="FFFFFF"/>
+          </a:effectRef>
+          <a:fontRef idx="minor">
+            <a:schemeClr val="lt1"/>
+          </a:fontRef>
+        </p:style>
+        <p:txBody>
+          <a:bodyPr rtlCol="0" anchor="ctr"/>
+          <a:p>
+            <a:pPr algn="ctr" fontAlgn="base"/>
+            <a:endParaRPr lang="zh-CN" altLang="en-US" strike="noStrike" noProof="1"/>
+          </a:p>
+        </p:txBody>
+      </p:sp>
+      <p:sp>
+        <p:nvSpPr>
+          <p:cNvPr id="3079" name="文本框 8"/>
+          <p:cNvSpPr txBox="1"/>
+          <p:nvPr>
+            <p:custDataLst>
+              <p:tags r:id="rId4"/>
+            </p:custDataLst>
+          </p:nvPr>
+        </p:nvSpPr>
+        <p:spPr>
+          <a:xfrm>
+            <a:off x="161925" y="455295"/>
+            <a:ext cx="828675" cy="214313"/>
+          </a:xfrm>
+          <a:prstGeom prst="rect">
+            <a:avLst/>
+          </a:prstGeom>
+          <a:noFill/>
+          <a:ln w="9525">
+            <a:noFill/>
+          </a:ln>
+        </p:spPr>
+        <p:txBody>
+          <a:bodyPr wrap="square" anchor="t" anchorCtr="0">
+            <a:spAutoFit/>
+          </a:bodyPr>
+          <a:p>
+            <a:pPr algn="dist"/>
+            <a:r>
+              <a:rPr lang="en-US" altLang="zh-CN" sz="800">
+                <a:latin typeface="Arial" panose="020B0604020202020204" pitchFamily="34" charset="0"/>
+                <a:ea typeface="宋体" panose="02010600030101010101" pitchFamily="2" charset="-122"/>
+              </a:rPr>
+              <a:t>TRANS</a:t>
+            </a:r>
+            <a:endParaRPr lang="en-US" altLang="zh-CN" sz="800">
+              <a:latin typeface="Arial" panose="020B0604020202020204" pitchFamily="34" charset="0"/>
+              <a:ea typeface="宋体" panose="02010600030101010101" pitchFamily="2" charset="-122"/>
+            </a:endParaRPr>
+          </a:p>
+        </p:txBody>
+      </p:sp>
+      <p:sp>
+        <p:nvSpPr>
+          <p:cNvPr id="3080" name="文本框 9"/>
+          <p:cNvSpPr txBox="1"/>
+          <p:nvPr>
+            <p:custDataLst>
+              <p:tags r:id="rId5"/>
+            </p:custDataLst>
+          </p:nvPr>
+        </p:nvSpPr>
+        <p:spPr>
+          <a:xfrm>
+            <a:off x="457200" y="215583"/>
+            <a:ext cx="168275" cy="706437"/>
+          </a:xfrm>
+          <a:prstGeom prst="rect">
+            <a:avLst/>
+          </a:prstGeom>
+          <a:noFill/>
+          <a:ln w="9525">
+            <a:noFill/>
+          </a:ln>
+        </p:spPr>
+        <p:txBody>
+          <a:bodyPr wrap="square" anchor="t" anchorCtr="0">
+            <a:spAutoFit/>
+          </a:bodyPr>
+          <a:p>
+            <a:r>
+              <a:rPr lang="en-US" altLang="zh-CN" sz="800">
+                <a:latin typeface="Arial" panose="020B0604020202020204" pitchFamily="34" charset="0"/>
+                <a:ea typeface="宋体" panose="02010600030101010101" pitchFamily="2" charset="-122"/>
+              </a:rPr>
+              <a:t>TR</a:t>
+            </a:r>
+            <a:endParaRPr lang="en-US" altLang="zh-CN" sz="800">
+              <a:latin typeface="Arial" panose="020B0604020202020204" pitchFamily="34" charset="0"/>
+              <a:ea typeface="宋体" panose="02010600030101010101" pitchFamily="2" charset="-122"/>
+            </a:endParaRPr>
+          </a:p>
+          <a:p>
+            <a:endParaRPr lang="en-US" altLang="zh-CN" sz="800">
+              <a:latin typeface="Arial" panose="020B0604020202020204" pitchFamily="34" charset="0"/>
+              <a:ea typeface="宋体" panose="02010600030101010101" pitchFamily="2" charset="-122"/>
+            </a:endParaRPr>
+          </a:p>
+          <a:p>
+            <a:r>
+              <a:rPr lang="en-US" altLang="zh-CN" sz="800">
+                <a:latin typeface="Arial" panose="020B0604020202020204" pitchFamily="34" charset="0"/>
+                <a:ea typeface="宋体" panose="02010600030101010101" pitchFamily="2" charset="-122"/>
+              </a:rPr>
+              <a:t>N</a:t>
+            </a:r>
+            <a:endParaRPr lang="en-US" altLang="zh-CN" sz="800">
+              <a:latin typeface="Arial" panose="020B0604020202020204" pitchFamily="34" charset="0"/>
+              <a:ea typeface="宋体" panose="02010600030101010101" pitchFamily="2" charset="-122"/>
+            </a:endParaRPr>
+          </a:p>
+          <a:p>
+            <a:r>
+              <a:rPr lang="en-US" altLang="zh-CN" sz="800">
+                <a:latin typeface="Arial" panose="020B0604020202020204" pitchFamily="34" charset="0"/>
+                <a:ea typeface="宋体" panose="02010600030101010101" pitchFamily="2" charset="-122"/>
+              </a:rPr>
+              <a:t>S</a:t>
+            </a:r>
+            <a:endParaRPr lang="en-US" altLang="zh-CN" sz="800">
+              <a:latin typeface="Arial" panose="020B0604020202020204" pitchFamily="34" charset="0"/>
+              <a:ea typeface="宋体" panose="02010600030101010101" pitchFamily="2" charset="-122"/>
+            </a:endParaRPr>
+          </a:p>
+        </p:txBody>
+      </p:sp>
+      <p:cxnSp>
+        <p:nvCxnSpPr>
+          <p:cNvPr id="9" name="直接连接符 8"/>
+          <p:cNvCxnSpPr/>
+          <p:nvPr/>
+        </p:nvCxnSpPr>
+        <p:spPr>
+          <a:xfrm>
+            <a:off x="1184275" y="0"/>
+            <a:ext cx="0" cy="2808605"/>
+          </a:xfrm>
+          <a:prstGeom prst="line">
+            <a:avLst/>
+          </a:prstGeom>
+          <a:ln w="28575" cmpd="sng">
+            <a:solidFill>
+              <a:schemeClr val="tx1"/>
+            </a:solidFill>
+            <a:prstDash val="solid"/>
+          </a:ln>
+        </p:spPr>
+        <p:style>
+          <a:lnRef idx="2">
+            <a:schemeClr val="accent1"/>
+          </a:lnRef>
+          <a:fillRef idx="0">
+            <a:srgbClr val="FFFFFF"/>
+          </a:fillRef>
+          <a:effectRef idx="0">
+            <a:srgbClr val="FFFFFF"/>
+          </a:effectRef>
+          <a:fontRef idx="minor">
+            <a:schemeClr val="tx1"/>
+          </a:fontRef>
+        </p:style>
+      </p:cxnSp>
+      <p:sp>
+        <p:nvSpPr>
+          <p:cNvPr id="3081" name="文本框 10"/>
+          <p:cNvSpPr txBox="1"/>
+          <p:nvPr>
+            <p:custDataLst>
+              <p:tags r:id="rId6"/>
+            </p:custDataLst>
+          </p:nvPr>
+        </p:nvSpPr>
+        <p:spPr>
+          <a:xfrm>
+            <a:off x="215583" y="2159318"/>
+            <a:ext cx="4000500" cy="506730"/>
+          </a:xfrm>
+          <a:prstGeom prst="rect">
+            <a:avLst/>
+          </a:prstGeom>
+          <a:noFill/>
+          <a:ln w="9525">
+            <a:noFill/>
+          </a:ln>
+        </p:spPr>
+        <p:txBody>
+          <a:bodyPr wrap="square" anchor="t" anchorCtr="0">
+            <a:spAutoFit/>
+          </a:bodyPr>
+          <a:p>
+            <a:r>
+              <a:rPr lang="en-US" altLang="zh-CN" sz="900">
+                <a:latin typeface="Arial" panose="020B0604020202020204" pitchFamily="34" charset="0"/>
+                <a:ea typeface="宋体" panose="02010600030101010101" pitchFamily="2" charset="-122"/>
+              </a:rPr>
+              <a:t>-500</a:t>
+            </a:r>
+            <a:r>
+              <a:rPr lang="zh-CN" altLang="en-US" sz="900">
+                <a:latin typeface="Arial" panose="020B0604020202020204" pitchFamily="34" charset="0"/>
+                <a:ea typeface="宋体" panose="02010600030101010101" pitchFamily="2" charset="-122"/>
+              </a:rPr>
+              <a:t>点</a:t>
+            </a:r>
+            <a:endParaRPr lang="en-US" altLang="zh-CN" sz="900">
+              <a:latin typeface="Arial" panose="020B0604020202020204" pitchFamily="34" charset="0"/>
+              <a:ea typeface="宋体" panose="02010600030101010101" pitchFamily="2" charset="-122"/>
+            </a:endParaRPr>
+          </a:p>
+          <a:p>
+            <a:r>
+              <a:rPr lang="en-US" altLang="zh-CN" sz="900">
+                <a:latin typeface="Arial" panose="020B0604020202020204" pitchFamily="34" charset="0"/>
+                <a:ea typeface="宋体" panose="02010600030101010101" pitchFamily="2" charset="-122"/>
+              </a:rPr>
+              <a:t>-</a:t>
+            </a:r>
+            <a:r>
+              <a:rPr lang="zh-CN" altLang="en-US" sz="900">
+                <a:latin typeface="Arial" panose="020B0604020202020204" pitchFamily="34" charset="0"/>
+                <a:ea typeface="宋体" panose="02010600030101010101" pitchFamily="2" charset="-122"/>
+              </a:rPr>
+              <a:t>现场兑换</a:t>
+            </a:r>
+            <a:endParaRPr lang="zh-CN" altLang="en-US" sz="900">
+              <a:latin typeface="Arial" panose="020B0604020202020204" pitchFamily="34" charset="0"/>
+              <a:ea typeface="宋体" panose="02010600030101010101" pitchFamily="2" charset="-122"/>
+            </a:endParaRPr>
+          </a:p>
+          <a:p>
+            <a:r>
+              <a:rPr lang="en-US" altLang="zh-CN" sz="900">
+                <a:latin typeface="Arial" panose="020B0604020202020204" pitchFamily="34" charset="0"/>
+                <a:ea typeface="宋体" panose="02010600030101010101" pitchFamily="2" charset="-122"/>
+              </a:rPr>
+              <a:t>-</a:t>
+            </a:r>
+            <a:r>
+              <a:rPr lang="zh-CN" altLang="en-US" sz="900">
+                <a:latin typeface="Arial" panose="020B0604020202020204" pitchFamily="34" charset="0"/>
+                <a:ea typeface="宋体" panose="02010600030101010101" pitchFamily="2" charset="-122"/>
+              </a:rPr>
+              <a:t>不可流通</a:t>
+            </a:r>
+            <a:endParaRPr lang="zh-CN" altLang="en-US" sz="900">
+              <a:latin typeface="Arial" panose="020B0604020202020204" pitchFamily="34" charset="0"/>
+              <a:ea typeface="宋体" panose="02010600030101010101" pitchFamily="2" charset="-122"/>
+            </a:endParaRPr>
+          </a:p>
+        </p:txBody>
+      </p:sp>
+      <p:sp>
+        <p:nvSpPr>
+          <p:cNvPr id="10" name="文本框 9"/>
+          <p:cNvSpPr txBox="1"/>
+          <p:nvPr/>
+        </p:nvSpPr>
+        <p:spPr>
+          <a:xfrm>
+            <a:off x="1296035" y="295910"/>
+            <a:ext cx="2894965" cy="398780"/>
+          </a:xfrm>
+          <a:prstGeom prst="rect">
+            <a:avLst/>
+          </a:prstGeom>
+          <a:noFill/>
+        </p:spPr>
+        <p:txBody>
+          <a:bodyPr wrap="square" rtlCol="0">
+            <a:spAutoFit/>
+          </a:bodyPr>
+          <a:p>
+            <a:r>
+              <a:rPr lang="zh-CN" altLang="en-US" sz="2000" b="1">
+                <a:latin typeface="黑体" panose="02010609060101010101" charset="-122"/>
+                <a:ea typeface="黑体" panose="02010609060101010101" charset="-122"/>
+              </a:rPr>
+              <a:t>来自地球的思念</a:t>
+            </a:r>
+            <a:endParaRPr lang="zh-CN" altLang="en-US" sz="2000" b="1">
+              <a:latin typeface="黑体" panose="02010609060101010101" charset="-122"/>
+              <a:ea typeface="黑体" panose="02010609060101010101" charset="-122"/>
+            </a:endParaRPr>
+          </a:p>
+        </p:txBody>
+      </p:sp>
+      <p:sp>
+        <p:nvSpPr>
+          <p:cNvPr id="11" name="文本框 10"/>
+          <p:cNvSpPr txBox="1"/>
+          <p:nvPr/>
+        </p:nvSpPr>
+        <p:spPr>
+          <a:xfrm>
+            <a:off x="1303655" y="627380"/>
+            <a:ext cx="2273300" cy="245110"/>
+          </a:xfrm>
+          <a:prstGeom prst="rect">
+            <a:avLst/>
+          </a:prstGeom>
+          <a:noFill/>
+        </p:spPr>
+        <p:txBody>
+          <a:bodyPr wrap="square" rtlCol="0">
+            <a:spAutoFit/>
+          </a:bodyPr>
+          <a:p>
+            <a:r>
+              <a:rPr lang="en-US" altLang="zh-CN" sz="1000"/>
+              <a:t>XYN HR 2061</a:t>
+            </a:r>
+            <a:endParaRPr lang="en-US" altLang="zh-CN" sz="1000"/>
+          </a:p>
+        </p:txBody>
+      </p:sp>
+    </p:spTree>
+  </p:cSld>
+  <p:clrMapOvr>
+    <a:masterClrMapping/>
+  </p:clrMapOvr>
+</p:sld>
+</file>
+
+<file path=ppt/slides/slide12.xml><?xml version="1.0" encoding="utf-8"?>
+<p:sld xmlns:a="http://schemas.openxmlformats.org/drawingml/2006/main" xmlns:r="http://schemas.openxmlformats.org/officeDocument/2006/relationships" xmlns:p="http://schemas.openxmlformats.org/presentationml/2006/main">
+  <p:cSld>
+    <p:spTree>
+      <p:nvGrpSpPr>
+        <p:cNvPr id="1" name=""/>
+        <p:cNvGrpSpPr/>
+        <p:nvPr/>
+      </p:nvGrpSpPr>
+      <p:grpSpPr/>
+      <p:sp>
+        <p:nvSpPr>
+          <p:cNvPr id="13" name="矩形 12"/>
+          <p:cNvSpPr/>
+          <p:nvPr>
+            <p:custDataLst>
+              <p:tags r:id="rId1"/>
+            </p:custDataLst>
+          </p:nvPr>
+        </p:nvSpPr>
+        <p:spPr>
+          <a:xfrm rot="16200000">
+            <a:off x="287655" y="2371090"/>
+            <a:ext cx="144000" cy="144000"/>
+          </a:xfrm>
+          <a:prstGeom prst="rect">
+            <a:avLst/>
+          </a:prstGeom>
+          <a:solidFill>
+            <a:srgbClr val="FA3A22"/>
+          </a:solidFill>
+          <a:ln>
+            <a:solidFill>
+              <a:srgbClr val="FA3A22"/>
+            </a:solidFill>
+          </a:ln>
+        </p:spPr>
+        <p:style>
+          <a:lnRef idx="2">
+            <a:schemeClr val="accent1">
+              <a:lumMod val="75000"/>
+            </a:schemeClr>
+          </a:lnRef>
+          <a:fillRef idx="1">
+            <a:schemeClr val="accent1"/>
+          </a:fillRef>
+          <a:effectRef idx="0">
+            <a:srgbClr val="FFFFFF"/>
+          </a:effectRef>
+          <a:fontRef idx="minor">
+            <a:schemeClr val="lt1"/>
+          </a:fontRef>
+        </p:style>
+        <p:txBody>
+          <a:bodyPr rtlCol="0" anchor="ctr"/>
+          <a:p>
+            <a:pPr algn="dist"/>
+            <a:endParaRPr lang="zh-CN" altLang="en-US" sz="900"/>
+          </a:p>
+        </p:txBody>
+      </p:sp>
+      <p:sp>
+        <p:nvSpPr>
+          <p:cNvPr id="14" name="文本框 13"/>
+          <p:cNvSpPr txBox="1"/>
+          <p:nvPr>
+            <p:custDataLst>
+              <p:tags r:id="rId2"/>
+            </p:custDataLst>
+          </p:nvPr>
+        </p:nvSpPr>
+        <p:spPr>
+          <a:xfrm rot="16200000">
+            <a:off x="195580" y="2296160"/>
+            <a:ext cx="327660" cy="260350"/>
+          </a:xfrm>
+          <a:prstGeom prst="rect">
+            <a:avLst/>
+          </a:prstGeom>
+          <a:noFill/>
+        </p:spPr>
+        <p:txBody>
+          <a:bodyPr wrap="square" rtlCol="0">
+            <a:spAutoFit/>
+          </a:bodyPr>
+          <a:p>
+            <a:r>
+              <a:rPr lang="zh-CN" altLang="en-US" sz="1100">
+                <a:solidFill>
+                  <a:schemeClr val="bg1"/>
+                </a:solidFill>
+              </a:rPr>
+              <a:t>⚥</a:t>
+            </a:r>
+            <a:endParaRPr lang="zh-CN" altLang="en-US" sz="1100">
+              <a:solidFill>
+                <a:schemeClr val="bg1"/>
+              </a:solidFill>
+            </a:endParaRPr>
+          </a:p>
+        </p:txBody>
+      </p:sp>
+      <p:sp>
+        <p:nvSpPr>
+          <p:cNvPr id="5" name="矩形 4"/>
+          <p:cNvSpPr/>
+          <p:nvPr/>
+        </p:nvSpPr>
+        <p:spPr>
+          <a:xfrm>
+            <a:off x="1080135" y="0"/>
+            <a:ext cx="144145" cy="2735580"/>
+          </a:xfrm>
+          <a:prstGeom prst="rect">
+            <a:avLst/>
+          </a:prstGeom>
+          <a:solidFill>
+            <a:srgbClr val="FA3A22"/>
+          </a:solidFill>
+          <a:ln>
+            <a:solidFill>
+              <a:srgbClr val="FA3A22"/>
+            </a:solidFill>
+          </a:ln>
+        </p:spPr>
+        <p:style>
+          <a:lnRef idx="2">
+            <a:schemeClr val="accent1">
+              <a:lumMod val="75000"/>
+            </a:schemeClr>
+          </a:lnRef>
+          <a:fillRef idx="1">
+            <a:schemeClr val="accent1"/>
+          </a:fillRef>
+          <a:effectRef idx="0">
+            <a:srgbClr val="FFFFFF"/>
+          </a:effectRef>
+          <a:fontRef idx="minor">
+            <a:schemeClr val="lt1"/>
+          </a:fontRef>
+        </p:style>
+        <p:txBody>
+          <a:bodyPr rtlCol="0" anchor="ctr"/>
+          <a:p>
+            <a:pPr algn="ctr"/>
+            <a:endParaRPr lang="zh-CN" altLang="en-US"/>
+          </a:p>
+        </p:txBody>
+      </p:sp>
+      <p:pic>
+        <p:nvPicPr>
+          <p:cNvPr id="100" name="图片 99"/>
+          <p:cNvPicPr>
+            <a:picLocks noChangeAspect="1"/>
+          </p:cNvPicPr>
+          <p:nvPr/>
+        </p:nvPicPr>
+        <p:blipFill>
+          <a:blip r:embed="rId3"/>
+          <a:srcRect b="14023"/>
+          <a:stretch>
+            <a:fillRect/>
+          </a:stretch>
+        </p:blipFill>
+        <p:spPr>
+          <a:xfrm rot="16200000">
+            <a:off x="207645" y="164465"/>
+            <a:ext cx="301625" cy="259080"/>
+          </a:xfrm>
+          <a:prstGeom prst="rect">
+            <a:avLst/>
+          </a:prstGeom>
+          <a:noFill/>
+          <a:ln w="9525">
+            <a:noFill/>
+          </a:ln>
+        </p:spPr>
+      </p:pic>
+      <p:sp>
+        <p:nvSpPr>
+          <p:cNvPr id="7" name="文本框 6"/>
+          <p:cNvSpPr txBox="1"/>
+          <p:nvPr/>
+        </p:nvSpPr>
+        <p:spPr>
+          <a:xfrm rot="16200000">
+            <a:off x="212725" y="1010920"/>
+            <a:ext cx="1094740" cy="368300"/>
+          </a:xfrm>
+          <a:prstGeom prst="rect">
+            <a:avLst/>
+          </a:prstGeom>
+          <a:noFill/>
+        </p:spPr>
+        <p:txBody>
+          <a:bodyPr wrap="square" rtlCol="0">
+            <a:spAutoFit/>
+          </a:bodyPr>
+          <a:p>
+            <a:r>
+              <a:rPr lang="zh-CN" altLang="en-US" sz="1800" b="1">
+                <a:latin typeface="黑体" panose="02010609060101010101" charset="-122"/>
+                <a:ea typeface="黑体" panose="02010609060101010101" charset="-122"/>
+              </a:rPr>
+              <a:t>参宿四</a:t>
+            </a:r>
+            <a:endParaRPr lang="zh-CN" altLang="en-US" sz="1800" b="1">
+              <a:latin typeface="黑体" panose="02010609060101010101" charset="-122"/>
+              <a:ea typeface="黑体" panose="02010609060101010101" charset="-122"/>
+            </a:endParaRPr>
+          </a:p>
+        </p:txBody>
+      </p:sp>
+      <p:sp>
+        <p:nvSpPr>
+          <p:cNvPr id="8" name="文本框 7"/>
+          <p:cNvSpPr txBox="1"/>
+          <p:nvPr/>
+        </p:nvSpPr>
+        <p:spPr>
+          <a:xfrm rot="16200000">
+            <a:off x="982345" y="1099185"/>
+            <a:ext cx="2021840" cy="398780"/>
+          </a:xfrm>
+          <a:prstGeom prst="rect">
+            <a:avLst/>
+          </a:prstGeom>
+          <a:noFill/>
+        </p:spPr>
+        <p:txBody>
+          <a:bodyPr wrap="square" rtlCol="0">
+            <a:spAutoFit/>
+          </a:bodyPr>
+          <a:p>
+            <a:r>
+              <a:rPr lang="zh-CN" altLang="en-US" sz="2000"/>
+              <a:t>来自地球的思念</a:t>
+            </a:r>
+            <a:endParaRPr lang="zh-CN" altLang="en-US" sz="2000"/>
+          </a:p>
+        </p:txBody>
+      </p:sp>
+      <p:sp>
+        <p:nvSpPr>
+          <p:cNvPr id="9" name="文本框 8"/>
+          <p:cNvSpPr txBox="1"/>
+          <p:nvPr/>
+        </p:nvSpPr>
+        <p:spPr>
+          <a:xfrm rot="16200000">
+            <a:off x="1181100" y="116205"/>
+            <a:ext cx="443230" cy="213995"/>
+          </a:xfrm>
+          <a:prstGeom prst="rect">
+            <a:avLst/>
+          </a:prstGeom>
+          <a:noFill/>
+        </p:spPr>
+        <p:txBody>
+          <a:bodyPr wrap="square" rtlCol="0">
+            <a:spAutoFit/>
+          </a:bodyPr>
+          <a:p>
+            <a:r>
+              <a:rPr lang="en-US" altLang="zh-CN" sz="800"/>
+              <a:t>50 </a:t>
+            </a:r>
+            <a:r>
+              <a:rPr lang="zh-CN" altLang="en-US" sz="800"/>
+              <a:t>点</a:t>
+            </a:r>
+            <a:endParaRPr lang="zh-CN" altLang="en-US" sz="800"/>
+          </a:p>
+        </p:txBody>
+      </p:sp>
+      <p:sp>
+        <p:nvSpPr>
+          <p:cNvPr id="10" name="文本框 9"/>
+          <p:cNvSpPr txBox="1"/>
+          <p:nvPr>
+            <p:custDataLst>
+              <p:tags r:id="rId4"/>
+            </p:custDataLst>
+          </p:nvPr>
+        </p:nvSpPr>
+        <p:spPr>
+          <a:xfrm rot="16200000">
+            <a:off x="2950845" y="1129665"/>
+            <a:ext cx="745490" cy="337185"/>
+          </a:xfrm>
+          <a:prstGeom prst="rect">
+            <a:avLst/>
+          </a:prstGeom>
+          <a:noFill/>
+        </p:spPr>
+        <p:txBody>
+          <a:bodyPr wrap="square" rtlCol="0">
+            <a:spAutoFit/>
+          </a:bodyPr>
+          <a:p>
+            <a:r>
+              <a:rPr lang="en-US" altLang="zh-CN" sz="1600"/>
+              <a:t>50 </a:t>
+            </a:r>
+            <a:r>
+              <a:rPr lang="zh-CN" altLang="en-US" sz="1600"/>
+              <a:t>点</a:t>
+            </a:r>
+            <a:endParaRPr lang="zh-CN" altLang="en-US" sz="1600"/>
+          </a:p>
+        </p:txBody>
+      </p:sp>
+      <p:sp>
+        <p:nvSpPr>
+          <p:cNvPr id="11" name="矩形 10"/>
+          <p:cNvSpPr/>
+          <p:nvPr/>
+        </p:nvSpPr>
+        <p:spPr>
+          <a:xfrm>
+            <a:off x="4536440" y="0"/>
+            <a:ext cx="1080135" cy="2736215"/>
+          </a:xfrm>
+          <a:prstGeom prst="rect">
+            <a:avLst/>
+          </a:prstGeom>
+          <a:solidFill>
+            <a:srgbClr val="FA3A22"/>
+          </a:solidFill>
+          <a:ln>
+            <a:solidFill>
+              <a:srgbClr val="FA3A22"/>
+            </a:solidFill>
+          </a:ln>
+        </p:spPr>
+        <p:style>
+          <a:lnRef idx="2">
+            <a:schemeClr val="accent1">
+              <a:lumMod val="75000"/>
+            </a:schemeClr>
+          </a:lnRef>
+          <a:fillRef idx="1">
+            <a:schemeClr val="accent1"/>
+          </a:fillRef>
+          <a:effectRef idx="0">
+            <a:srgbClr val="FFFFFF"/>
+          </a:effectRef>
+          <a:fontRef idx="minor">
+            <a:schemeClr val="lt1"/>
+          </a:fontRef>
+        </p:style>
+        <p:txBody>
+          <a:bodyPr rtlCol="0" anchor="ctr"/>
+          <a:p>
+            <a:pPr algn="ctr"/>
+            <a:endParaRPr lang="zh-CN" altLang="en-US"/>
+          </a:p>
+        </p:txBody>
+      </p:sp>
+      <p:sp>
+        <p:nvSpPr>
+          <p:cNvPr id="12" name="文本框 11"/>
+          <p:cNvSpPr txBox="1"/>
+          <p:nvPr/>
+        </p:nvSpPr>
+        <p:spPr>
+          <a:xfrm rot="16200000">
+            <a:off x="3642360" y="838200"/>
+            <a:ext cx="2719705" cy="1076960"/>
+          </a:xfrm>
+          <a:prstGeom prst="rect">
+            <a:avLst/>
+          </a:prstGeom>
+          <a:noFill/>
+        </p:spPr>
+        <p:txBody>
+          <a:bodyPr wrap="square" rtlCol="0">
+            <a:noAutofit/>
+          </a:bodyPr>
+          <a:p>
+            <a:pPr algn="ctr"/>
+            <a:endParaRPr lang="zh-CN" altLang="en-US" sz="1200"/>
+          </a:p>
+          <a:p>
+            <a:pPr algn="ctr"/>
+            <a:r>
+              <a:rPr lang="zh-CN" altLang="en-US" sz="1200">
+                <a:solidFill>
+                  <a:schemeClr val="bg1"/>
+                </a:solidFill>
+              </a:rPr>
+              <a:t>纪念卷兑换负责机构</a:t>
+            </a:r>
+            <a:endParaRPr lang="zh-CN" altLang="en-US" sz="1200">
+              <a:solidFill>
+                <a:schemeClr val="bg1"/>
+              </a:solidFill>
+            </a:endParaRPr>
+          </a:p>
+          <a:p>
+            <a:pPr algn="ctr"/>
+            <a:r>
+              <a:rPr lang="zh-CN" altLang="en-US" sz="1200">
+                <a:solidFill>
+                  <a:schemeClr val="bg1"/>
+                </a:solidFill>
+              </a:rPr>
+              <a:t>参宿四思念纪念品管理局</a:t>
+            </a:r>
+            <a:endParaRPr lang="zh-CN" altLang="en-US" sz="1200">
+              <a:solidFill>
+                <a:schemeClr val="bg1"/>
+              </a:solidFill>
+            </a:endParaRPr>
+          </a:p>
+          <a:p>
+            <a:pPr algn="ctr"/>
+            <a:r>
+              <a:rPr lang="zh-CN" altLang="en-US" sz="1200">
+                <a:solidFill>
+                  <a:schemeClr val="bg1"/>
+                </a:solidFill>
+              </a:rPr>
+              <a:t>请携带纪念券到管理局线下兑换</a:t>
+            </a:r>
+            <a:endParaRPr lang="zh-CN" altLang="en-US" sz="1200">
+              <a:solidFill>
+                <a:schemeClr val="bg1"/>
+              </a:solidFill>
+            </a:endParaRPr>
+          </a:p>
+          <a:p>
+            <a:pPr algn="ctr"/>
+            <a:r>
+              <a:rPr lang="zh-CN" altLang="en-US" sz="1200">
+                <a:solidFill>
+                  <a:schemeClr val="bg1"/>
+                </a:solidFill>
+              </a:rPr>
+              <a:t>不得作为一般等价物流通使用</a:t>
+            </a:r>
+            <a:endParaRPr lang="zh-CN" altLang="en-US" sz="1200">
+              <a:solidFill>
+                <a:schemeClr val="bg1"/>
+              </a:solidFill>
+            </a:endParaRPr>
+          </a:p>
+        </p:txBody>
+      </p:sp>
+    </p:spTree>
+  </p:cSld>
+  <p:clrMapOvr>
+    <a:masterClrMapping/>
+  </p:clrMapOvr>
+</p:sld>
+</file>
+
 <file path=ppt/slides/slide2.xml><?xml version="1.0" encoding="utf-8"?>
 <p:sld xmlns:a="http://schemas.openxmlformats.org/drawingml/2006/main" xmlns:r="http://schemas.openxmlformats.org/officeDocument/2006/relationships" xmlns:p="http://schemas.openxmlformats.org/presentationml/2006/main">
   <p:cSld>
@@ -8117,13 +9131,61 @@
 
 <file path=ppt/tags/tag28.xml><?xml version="1.0" encoding="utf-8"?>
 <p:tagLst xmlns:p="http://schemas.openxmlformats.org/presentationml/2006/main">
-  <p:tag name="commondata" val="eyJoZGlkIjoiMzRjNDEyYjIzMDlhMmM2NTM5Zjc4MDdmNzdjMDcwOTkifQ=="/>
+  <p:tag name="KSO_WM_BEAUTIFY_FLAG" val=""/>
+</p:tagLst>
+</file>
+
+<file path=ppt/tags/tag29.xml><?xml version="1.0" encoding="utf-8"?>
+<p:tagLst xmlns:p="http://schemas.openxmlformats.org/presentationml/2006/main">
+  <p:tag name="KSO_WM_BEAUTIFY_FLAG" val=""/>
 </p:tagLst>
 </file>
 
 <file path=ppt/tags/tag3.xml><?xml version="1.0" encoding="utf-8"?>
 <p:tagLst xmlns:p="http://schemas.openxmlformats.org/presentationml/2006/main">
   <p:tag name="KSO_WM_BEAUTIFY_FLAG" val=""/>
+</p:tagLst>
+</file>
+
+<file path=ppt/tags/tag30.xml><?xml version="1.0" encoding="utf-8"?>
+<p:tagLst xmlns:p="http://schemas.openxmlformats.org/presentationml/2006/main">
+  <p:tag name="KSO_WM_BEAUTIFY_FLAG" val=""/>
+</p:tagLst>
+</file>
+
+<file path=ppt/tags/tag31.xml><?xml version="1.0" encoding="utf-8"?>
+<p:tagLst xmlns:p="http://schemas.openxmlformats.org/presentationml/2006/main">
+  <p:tag name="KSO_WM_BEAUTIFY_FLAG" val=""/>
+</p:tagLst>
+</file>
+
+<file path=ppt/tags/tag32.xml><?xml version="1.0" encoding="utf-8"?>
+<p:tagLst xmlns:p="http://schemas.openxmlformats.org/presentationml/2006/main">
+  <p:tag name="KSO_WM_BEAUTIFY_FLAG" val=""/>
+</p:tagLst>
+</file>
+
+<file path=ppt/tags/tag33.xml><?xml version="1.0" encoding="utf-8"?>
+<p:tagLst xmlns:p="http://schemas.openxmlformats.org/presentationml/2006/main">
+  <p:tag name="KSO_WM_BEAUTIFY_FLAG" val=""/>
+</p:tagLst>
+</file>
+
+<file path=ppt/tags/tag34.xml><?xml version="1.0" encoding="utf-8"?>
+<p:tagLst xmlns:p="http://schemas.openxmlformats.org/presentationml/2006/main">
+  <p:tag name="KSO_WM_BEAUTIFY_FLAG" val=""/>
+</p:tagLst>
+</file>
+
+<file path=ppt/tags/tag35.xml><?xml version="1.0" encoding="utf-8"?>
+<p:tagLst xmlns:p="http://schemas.openxmlformats.org/presentationml/2006/main">
+  <p:tag name="KSO_WM_BEAUTIFY_FLAG" val=""/>
+</p:tagLst>
+</file>
+
+<file path=ppt/tags/tag36.xml><?xml version="1.0" encoding="utf-8"?>
+<p:tagLst xmlns:p="http://schemas.openxmlformats.org/presentationml/2006/main">
+  <p:tag name="commondata" val="eyJoZGlkIjoiMzRjNDEyYjIzMDlhMmM2NTM5Zjc4MDdmNzdjMDcwOTkifQ=="/>
 </p:tagLst>
 </file>
 
